--- a/ppt 16-9/0572.哈拿的祷颂.pptx
+++ b/ppt 16-9/0572.哈拿的祷颂.pptx
@@ -5,7 +5,7 @@
     <p:sldMasterId id="2147483648" r:id="rId1"/>
   </p:sldMasterIdLst>
   <p:sldIdLst>
-    <p:sldId id="2332" r:id="rId2"/>
+    <p:sldId id="2333" r:id="rId2"/>
   </p:sldIdLst>
   <p:sldSz cx="12192000" cy="6858000"/>
   <p:notesSz cx="6858000" cy="9144000"/>
@@ -129,7 +129,7 @@
           <p:cNvPr id="2" name="标题 1">
             <a:extLst>
               <a:ext uri="{FF2B5EF4-FFF2-40B4-BE49-F238E27FC236}">
-                <a16:creationId xmlns:a16="http://schemas.microsoft.com/office/drawing/2014/main" id="{4EA0F89F-4D60-C9F0-9550-51B36E287FAE}"/>
+                <a16:creationId xmlns:a16="http://schemas.microsoft.com/office/drawing/2014/main" id="{0B71B5E9-F158-CB82-BF24-CCA18C4C6D3C}"/>
               </a:ext>
             </a:extLst>
           </p:cNvPr>
@@ -166,7 +166,7 @@
           <p:cNvPr id="3" name="副标题 2">
             <a:extLst>
               <a:ext uri="{FF2B5EF4-FFF2-40B4-BE49-F238E27FC236}">
-                <a16:creationId xmlns:a16="http://schemas.microsoft.com/office/drawing/2014/main" id="{CDDA49F2-42C7-AD7A-4BCC-6DBFC5689937}"/>
+                <a16:creationId xmlns:a16="http://schemas.microsoft.com/office/drawing/2014/main" id="{64833C3F-1E56-2832-C9AD-D0298FF0D7FE}"/>
               </a:ext>
             </a:extLst>
           </p:cNvPr>
@@ -236,7 +236,7 @@
           <p:cNvPr id="4" name="日期占位符 3">
             <a:extLst>
               <a:ext uri="{FF2B5EF4-FFF2-40B4-BE49-F238E27FC236}">
-                <a16:creationId xmlns:a16="http://schemas.microsoft.com/office/drawing/2014/main" id="{A7FD11B1-CCA7-D513-9456-A642702777A1}"/>
+                <a16:creationId xmlns:a16="http://schemas.microsoft.com/office/drawing/2014/main" id="{9B914BDD-0676-13EF-93F9-160225068D26}"/>
               </a:ext>
             </a:extLst>
           </p:cNvPr>
@@ -252,7 +252,7 @@
           <a:bodyPr/>
           <a:lstStyle/>
           <a:p>
-            <a:fld id="{74D7C391-654C-4911-B8E7-9DAB692053F3}" type="datetimeFigureOut">
+            <a:fld id="{E16F3075-547A-4C05-9235-FEB42BE2B5DD}" type="datetimeFigureOut">
               <a:rPr lang="zh-CN" altLang="en-US" smtClean="0"/>
               <a:t>2024/3/10</a:t>
             </a:fld>
@@ -265,7 +265,7 @@
           <p:cNvPr id="5" name="页脚占位符 4">
             <a:extLst>
               <a:ext uri="{FF2B5EF4-FFF2-40B4-BE49-F238E27FC236}">
-                <a16:creationId xmlns:a16="http://schemas.microsoft.com/office/drawing/2014/main" id="{7544873E-1C63-32A2-0EFF-0AA2AAF99719}"/>
+                <a16:creationId xmlns:a16="http://schemas.microsoft.com/office/drawing/2014/main" id="{0092CDDB-1C2A-A8F9-6927-4207AC6CD940}"/>
               </a:ext>
             </a:extLst>
           </p:cNvPr>
@@ -290,7 +290,7 @@
           <p:cNvPr id="6" name="灯片编号占位符 5">
             <a:extLst>
               <a:ext uri="{FF2B5EF4-FFF2-40B4-BE49-F238E27FC236}">
-                <a16:creationId xmlns:a16="http://schemas.microsoft.com/office/drawing/2014/main" id="{3C19EC02-DF38-6C90-FABC-1C4B54C20F73}"/>
+                <a16:creationId xmlns:a16="http://schemas.microsoft.com/office/drawing/2014/main" id="{7BBF7B3E-C99A-031C-789A-345A5F18EC9E}"/>
               </a:ext>
             </a:extLst>
           </p:cNvPr>
@@ -306,7 +306,7 @@
           <a:bodyPr/>
           <a:lstStyle/>
           <a:p>
-            <a:fld id="{CE2F6EFD-A651-4CA4-956E-A4C9E7047C21}" type="slidenum">
+            <a:fld id="{84E0698B-2552-4E47-A374-D34D597E5873}" type="slidenum">
               <a:rPr lang="zh-CN" altLang="en-US" smtClean="0"/>
               <a:t>‹#›</a:t>
             </a:fld>
@@ -317,7 +317,7 @@
     </p:spTree>
     <p:extLst>
       <p:ext uri="{BB962C8B-B14F-4D97-AF65-F5344CB8AC3E}">
-        <p14:creationId xmlns:p14="http://schemas.microsoft.com/office/powerpoint/2010/main" val="3693894844"/>
+        <p14:creationId xmlns:p14="http://schemas.microsoft.com/office/powerpoint/2010/main" val="1352160631"/>
       </p:ext>
     </p:extLst>
   </p:cSld>
@@ -349,7 +349,7 @@
           <p:cNvPr id="2" name="标题 1">
             <a:extLst>
               <a:ext uri="{FF2B5EF4-FFF2-40B4-BE49-F238E27FC236}">
-                <a16:creationId xmlns:a16="http://schemas.microsoft.com/office/drawing/2014/main" id="{20EBE1DE-DB45-69D9-3949-95884C0A78C5}"/>
+                <a16:creationId xmlns:a16="http://schemas.microsoft.com/office/drawing/2014/main" id="{56EE0917-A3F0-34F2-F709-552FBEEBC7FC}"/>
               </a:ext>
             </a:extLst>
           </p:cNvPr>
@@ -377,7 +377,7 @@
           <p:cNvPr id="3" name="竖排文字占位符 2">
             <a:extLst>
               <a:ext uri="{FF2B5EF4-FFF2-40B4-BE49-F238E27FC236}">
-                <a16:creationId xmlns:a16="http://schemas.microsoft.com/office/drawing/2014/main" id="{54530D29-9485-396D-7920-53138AA54A64}"/>
+                <a16:creationId xmlns:a16="http://schemas.microsoft.com/office/drawing/2014/main" id="{B6984828-794A-A25E-4957-2C1B205E845B}"/>
               </a:ext>
             </a:extLst>
           </p:cNvPr>
@@ -434,7 +434,7 @@
           <p:cNvPr id="4" name="日期占位符 3">
             <a:extLst>
               <a:ext uri="{FF2B5EF4-FFF2-40B4-BE49-F238E27FC236}">
-                <a16:creationId xmlns:a16="http://schemas.microsoft.com/office/drawing/2014/main" id="{CBD802B3-9664-7202-F80D-C254A2106F12}"/>
+                <a16:creationId xmlns:a16="http://schemas.microsoft.com/office/drawing/2014/main" id="{63B197F9-2580-CCEF-EC6F-EACA2DE637E2}"/>
               </a:ext>
             </a:extLst>
           </p:cNvPr>
@@ -450,7 +450,7 @@
           <a:bodyPr/>
           <a:lstStyle/>
           <a:p>
-            <a:fld id="{74D7C391-654C-4911-B8E7-9DAB692053F3}" type="datetimeFigureOut">
+            <a:fld id="{E16F3075-547A-4C05-9235-FEB42BE2B5DD}" type="datetimeFigureOut">
               <a:rPr lang="zh-CN" altLang="en-US" smtClean="0"/>
               <a:t>2024/3/10</a:t>
             </a:fld>
@@ -463,7 +463,7 @@
           <p:cNvPr id="5" name="页脚占位符 4">
             <a:extLst>
               <a:ext uri="{FF2B5EF4-FFF2-40B4-BE49-F238E27FC236}">
-                <a16:creationId xmlns:a16="http://schemas.microsoft.com/office/drawing/2014/main" id="{7242F912-5158-5F8D-30DE-185231E41A35}"/>
+                <a16:creationId xmlns:a16="http://schemas.microsoft.com/office/drawing/2014/main" id="{792B841E-528B-2A43-77D9-FC227CEB61C2}"/>
               </a:ext>
             </a:extLst>
           </p:cNvPr>
@@ -488,7 +488,7 @@
           <p:cNvPr id="6" name="灯片编号占位符 5">
             <a:extLst>
               <a:ext uri="{FF2B5EF4-FFF2-40B4-BE49-F238E27FC236}">
-                <a16:creationId xmlns:a16="http://schemas.microsoft.com/office/drawing/2014/main" id="{AF282322-B6FD-5B81-89A7-2713EA9409A5}"/>
+                <a16:creationId xmlns:a16="http://schemas.microsoft.com/office/drawing/2014/main" id="{C5807B9B-FB7E-5A32-2E00-3F061E0EC8CC}"/>
               </a:ext>
             </a:extLst>
           </p:cNvPr>
@@ -504,7 +504,7 @@
           <a:bodyPr/>
           <a:lstStyle/>
           <a:p>
-            <a:fld id="{CE2F6EFD-A651-4CA4-956E-A4C9E7047C21}" type="slidenum">
+            <a:fld id="{84E0698B-2552-4E47-A374-D34D597E5873}" type="slidenum">
               <a:rPr lang="zh-CN" altLang="en-US" smtClean="0"/>
               <a:t>‹#›</a:t>
             </a:fld>
@@ -515,7 +515,7 @@
     </p:spTree>
     <p:extLst>
       <p:ext uri="{BB962C8B-B14F-4D97-AF65-F5344CB8AC3E}">
-        <p14:creationId xmlns:p14="http://schemas.microsoft.com/office/powerpoint/2010/main" val="2837596021"/>
+        <p14:creationId xmlns:p14="http://schemas.microsoft.com/office/powerpoint/2010/main" val="1078879495"/>
       </p:ext>
     </p:extLst>
   </p:cSld>
@@ -547,7 +547,7 @@
           <p:cNvPr id="2" name="竖排标题 1">
             <a:extLst>
               <a:ext uri="{FF2B5EF4-FFF2-40B4-BE49-F238E27FC236}">
-                <a16:creationId xmlns:a16="http://schemas.microsoft.com/office/drawing/2014/main" id="{A965B07C-D44E-6534-2EE5-9F9908556306}"/>
+                <a16:creationId xmlns:a16="http://schemas.microsoft.com/office/drawing/2014/main" id="{D7237D13-5FDB-E001-4619-13D25BEF4321}"/>
               </a:ext>
             </a:extLst>
           </p:cNvPr>
@@ -580,7 +580,7 @@
           <p:cNvPr id="3" name="竖排文字占位符 2">
             <a:extLst>
               <a:ext uri="{FF2B5EF4-FFF2-40B4-BE49-F238E27FC236}">
-                <a16:creationId xmlns:a16="http://schemas.microsoft.com/office/drawing/2014/main" id="{2BAC3D4F-A600-6D70-1C9E-FDC211618DCE}"/>
+                <a16:creationId xmlns:a16="http://schemas.microsoft.com/office/drawing/2014/main" id="{FE3D23F9-EF5B-CF9E-622F-BB4583E53108}"/>
               </a:ext>
             </a:extLst>
           </p:cNvPr>
@@ -642,7 +642,7 @@
           <p:cNvPr id="4" name="日期占位符 3">
             <a:extLst>
               <a:ext uri="{FF2B5EF4-FFF2-40B4-BE49-F238E27FC236}">
-                <a16:creationId xmlns:a16="http://schemas.microsoft.com/office/drawing/2014/main" id="{DD850184-9BCB-2DFD-9410-D2A37B4E6684}"/>
+                <a16:creationId xmlns:a16="http://schemas.microsoft.com/office/drawing/2014/main" id="{321217E3-9606-01CF-7C35-43C52312B820}"/>
               </a:ext>
             </a:extLst>
           </p:cNvPr>
@@ -658,7 +658,7 @@
           <a:bodyPr/>
           <a:lstStyle/>
           <a:p>
-            <a:fld id="{74D7C391-654C-4911-B8E7-9DAB692053F3}" type="datetimeFigureOut">
+            <a:fld id="{E16F3075-547A-4C05-9235-FEB42BE2B5DD}" type="datetimeFigureOut">
               <a:rPr lang="zh-CN" altLang="en-US" smtClean="0"/>
               <a:t>2024/3/10</a:t>
             </a:fld>
@@ -671,7 +671,7 @@
           <p:cNvPr id="5" name="页脚占位符 4">
             <a:extLst>
               <a:ext uri="{FF2B5EF4-FFF2-40B4-BE49-F238E27FC236}">
-                <a16:creationId xmlns:a16="http://schemas.microsoft.com/office/drawing/2014/main" id="{63D65FA2-E925-675A-5039-81E1DD838519}"/>
+                <a16:creationId xmlns:a16="http://schemas.microsoft.com/office/drawing/2014/main" id="{161DC699-74BD-2C19-F650-37DD14F42291}"/>
               </a:ext>
             </a:extLst>
           </p:cNvPr>
@@ -696,7 +696,7 @@
           <p:cNvPr id="6" name="灯片编号占位符 5">
             <a:extLst>
               <a:ext uri="{FF2B5EF4-FFF2-40B4-BE49-F238E27FC236}">
-                <a16:creationId xmlns:a16="http://schemas.microsoft.com/office/drawing/2014/main" id="{32877A39-CF80-FE0E-C2D2-6AC7E5770E5D}"/>
+                <a16:creationId xmlns:a16="http://schemas.microsoft.com/office/drawing/2014/main" id="{DA33D532-979B-AF47-D263-449442968858}"/>
               </a:ext>
             </a:extLst>
           </p:cNvPr>
@@ -712,7 +712,7 @@
           <a:bodyPr/>
           <a:lstStyle/>
           <a:p>
-            <a:fld id="{CE2F6EFD-A651-4CA4-956E-A4C9E7047C21}" type="slidenum">
+            <a:fld id="{84E0698B-2552-4E47-A374-D34D597E5873}" type="slidenum">
               <a:rPr lang="zh-CN" altLang="en-US" smtClean="0"/>
               <a:t>‹#›</a:t>
             </a:fld>
@@ -723,7 +723,7 @@
     </p:spTree>
     <p:extLst>
       <p:ext uri="{BB962C8B-B14F-4D97-AF65-F5344CB8AC3E}">
-        <p14:creationId xmlns:p14="http://schemas.microsoft.com/office/powerpoint/2010/main" val="3492895579"/>
+        <p14:creationId xmlns:p14="http://schemas.microsoft.com/office/powerpoint/2010/main" val="2643761101"/>
       </p:ext>
     </p:extLst>
   </p:cSld>
@@ -755,7 +755,7 @@
           <p:cNvPr id="2" name="标题 1">
             <a:extLst>
               <a:ext uri="{FF2B5EF4-FFF2-40B4-BE49-F238E27FC236}">
-                <a16:creationId xmlns:a16="http://schemas.microsoft.com/office/drawing/2014/main" id="{B9A330E6-580F-ED0B-9BC9-2A958F3A6ED4}"/>
+                <a16:creationId xmlns:a16="http://schemas.microsoft.com/office/drawing/2014/main" id="{2CB50B17-28FA-568C-2E4C-4EA82C603013}"/>
               </a:ext>
             </a:extLst>
           </p:cNvPr>
@@ -783,7 +783,7 @@
           <p:cNvPr id="3" name="内容占位符 2">
             <a:extLst>
               <a:ext uri="{FF2B5EF4-FFF2-40B4-BE49-F238E27FC236}">
-                <a16:creationId xmlns:a16="http://schemas.microsoft.com/office/drawing/2014/main" id="{BE793D47-002E-042A-0734-FC2AD409EE61}"/>
+                <a16:creationId xmlns:a16="http://schemas.microsoft.com/office/drawing/2014/main" id="{48AA163D-BE95-0808-045C-03F3A7451C79}"/>
               </a:ext>
             </a:extLst>
           </p:cNvPr>
@@ -840,7 +840,7 @@
           <p:cNvPr id="4" name="日期占位符 3">
             <a:extLst>
               <a:ext uri="{FF2B5EF4-FFF2-40B4-BE49-F238E27FC236}">
-                <a16:creationId xmlns:a16="http://schemas.microsoft.com/office/drawing/2014/main" id="{1A37601B-1763-B64C-A976-7C1C5301BCBE}"/>
+                <a16:creationId xmlns:a16="http://schemas.microsoft.com/office/drawing/2014/main" id="{DFCB6949-2264-2E5D-4CE1-9691B6B801F9}"/>
               </a:ext>
             </a:extLst>
           </p:cNvPr>
@@ -856,7 +856,7 @@
           <a:bodyPr/>
           <a:lstStyle/>
           <a:p>
-            <a:fld id="{74D7C391-654C-4911-B8E7-9DAB692053F3}" type="datetimeFigureOut">
+            <a:fld id="{E16F3075-547A-4C05-9235-FEB42BE2B5DD}" type="datetimeFigureOut">
               <a:rPr lang="zh-CN" altLang="en-US" smtClean="0"/>
               <a:t>2024/3/10</a:t>
             </a:fld>
@@ -869,7 +869,7 @@
           <p:cNvPr id="5" name="页脚占位符 4">
             <a:extLst>
               <a:ext uri="{FF2B5EF4-FFF2-40B4-BE49-F238E27FC236}">
-                <a16:creationId xmlns:a16="http://schemas.microsoft.com/office/drawing/2014/main" id="{BA636141-0986-B683-532E-E064842AB05E}"/>
+                <a16:creationId xmlns:a16="http://schemas.microsoft.com/office/drawing/2014/main" id="{8EB4EA9F-99E8-7E75-3E25-22EE364A6C63}"/>
               </a:ext>
             </a:extLst>
           </p:cNvPr>
@@ -894,7 +894,7 @@
           <p:cNvPr id="6" name="灯片编号占位符 5">
             <a:extLst>
               <a:ext uri="{FF2B5EF4-FFF2-40B4-BE49-F238E27FC236}">
-                <a16:creationId xmlns:a16="http://schemas.microsoft.com/office/drawing/2014/main" id="{68FEBEA5-EE77-E31C-8C73-D1EDFBC67FE7}"/>
+                <a16:creationId xmlns:a16="http://schemas.microsoft.com/office/drawing/2014/main" id="{3B524549-E590-1C44-CF49-1A3FBD00D602}"/>
               </a:ext>
             </a:extLst>
           </p:cNvPr>
@@ -910,7 +910,7 @@
           <a:bodyPr/>
           <a:lstStyle/>
           <a:p>
-            <a:fld id="{CE2F6EFD-A651-4CA4-956E-A4C9E7047C21}" type="slidenum">
+            <a:fld id="{84E0698B-2552-4E47-A374-D34D597E5873}" type="slidenum">
               <a:rPr lang="zh-CN" altLang="en-US" smtClean="0"/>
               <a:t>‹#›</a:t>
             </a:fld>
@@ -921,7 +921,7 @@
     </p:spTree>
     <p:extLst>
       <p:ext uri="{BB962C8B-B14F-4D97-AF65-F5344CB8AC3E}">
-        <p14:creationId xmlns:p14="http://schemas.microsoft.com/office/powerpoint/2010/main" val="1320972949"/>
+        <p14:creationId xmlns:p14="http://schemas.microsoft.com/office/powerpoint/2010/main" val="3939846024"/>
       </p:ext>
     </p:extLst>
   </p:cSld>
@@ -953,7 +953,7 @@
           <p:cNvPr id="2" name="标题 1">
             <a:extLst>
               <a:ext uri="{FF2B5EF4-FFF2-40B4-BE49-F238E27FC236}">
-                <a16:creationId xmlns:a16="http://schemas.microsoft.com/office/drawing/2014/main" id="{B17E481D-6921-7196-C942-B03CB8929267}"/>
+                <a16:creationId xmlns:a16="http://schemas.microsoft.com/office/drawing/2014/main" id="{A33465E5-E53D-3CE2-E753-58133F0E7318}"/>
               </a:ext>
             </a:extLst>
           </p:cNvPr>
@@ -990,7 +990,7 @@
           <p:cNvPr id="3" name="文本占位符 2">
             <a:extLst>
               <a:ext uri="{FF2B5EF4-FFF2-40B4-BE49-F238E27FC236}">
-                <a16:creationId xmlns:a16="http://schemas.microsoft.com/office/drawing/2014/main" id="{DD12713C-C136-048D-97ED-742107925CB2}"/>
+                <a16:creationId xmlns:a16="http://schemas.microsoft.com/office/drawing/2014/main" id="{DDEF7BFF-8583-5A1A-2951-B7EDEE8C7CD7}"/>
               </a:ext>
             </a:extLst>
           </p:cNvPr>
@@ -1115,7 +1115,7 @@
           <p:cNvPr id="4" name="日期占位符 3">
             <a:extLst>
               <a:ext uri="{FF2B5EF4-FFF2-40B4-BE49-F238E27FC236}">
-                <a16:creationId xmlns:a16="http://schemas.microsoft.com/office/drawing/2014/main" id="{59477A12-32ED-C64C-2701-EB15DB53946F}"/>
+                <a16:creationId xmlns:a16="http://schemas.microsoft.com/office/drawing/2014/main" id="{37631FFB-CD10-09A9-9BFC-5B3DAD4F96F4}"/>
               </a:ext>
             </a:extLst>
           </p:cNvPr>
@@ -1131,7 +1131,7 @@
           <a:bodyPr/>
           <a:lstStyle/>
           <a:p>
-            <a:fld id="{74D7C391-654C-4911-B8E7-9DAB692053F3}" type="datetimeFigureOut">
+            <a:fld id="{E16F3075-547A-4C05-9235-FEB42BE2B5DD}" type="datetimeFigureOut">
               <a:rPr lang="zh-CN" altLang="en-US" smtClean="0"/>
               <a:t>2024/3/10</a:t>
             </a:fld>
@@ -1144,7 +1144,7 @@
           <p:cNvPr id="5" name="页脚占位符 4">
             <a:extLst>
               <a:ext uri="{FF2B5EF4-FFF2-40B4-BE49-F238E27FC236}">
-                <a16:creationId xmlns:a16="http://schemas.microsoft.com/office/drawing/2014/main" id="{5CFEAAE9-E851-218A-05D7-CA9AE3755A3E}"/>
+                <a16:creationId xmlns:a16="http://schemas.microsoft.com/office/drawing/2014/main" id="{E7EA282F-AB54-79C3-DF5B-19215EC16DCF}"/>
               </a:ext>
             </a:extLst>
           </p:cNvPr>
@@ -1169,7 +1169,7 @@
           <p:cNvPr id="6" name="灯片编号占位符 5">
             <a:extLst>
               <a:ext uri="{FF2B5EF4-FFF2-40B4-BE49-F238E27FC236}">
-                <a16:creationId xmlns:a16="http://schemas.microsoft.com/office/drawing/2014/main" id="{CC06CCB1-CF32-8A43-E863-FC45F8814FDA}"/>
+                <a16:creationId xmlns:a16="http://schemas.microsoft.com/office/drawing/2014/main" id="{301579F7-7A28-8EF9-FDED-F0558782F3D0}"/>
               </a:ext>
             </a:extLst>
           </p:cNvPr>
@@ -1185,7 +1185,7 @@
           <a:bodyPr/>
           <a:lstStyle/>
           <a:p>
-            <a:fld id="{CE2F6EFD-A651-4CA4-956E-A4C9E7047C21}" type="slidenum">
+            <a:fld id="{84E0698B-2552-4E47-A374-D34D597E5873}" type="slidenum">
               <a:rPr lang="zh-CN" altLang="en-US" smtClean="0"/>
               <a:t>‹#›</a:t>
             </a:fld>
@@ -1196,7 +1196,7 @@
     </p:spTree>
     <p:extLst>
       <p:ext uri="{BB962C8B-B14F-4D97-AF65-F5344CB8AC3E}">
-        <p14:creationId xmlns:p14="http://schemas.microsoft.com/office/powerpoint/2010/main" val="1722457417"/>
+        <p14:creationId xmlns:p14="http://schemas.microsoft.com/office/powerpoint/2010/main" val="1704540454"/>
       </p:ext>
     </p:extLst>
   </p:cSld>
@@ -1228,7 +1228,7 @@
           <p:cNvPr id="2" name="标题 1">
             <a:extLst>
               <a:ext uri="{FF2B5EF4-FFF2-40B4-BE49-F238E27FC236}">
-                <a16:creationId xmlns:a16="http://schemas.microsoft.com/office/drawing/2014/main" id="{54D1AEC1-2021-E351-F83E-6967AE3D7016}"/>
+                <a16:creationId xmlns:a16="http://schemas.microsoft.com/office/drawing/2014/main" id="{B2216479-06DA-3D2E-8F94-D7CBC79B50C4}"/>
               </a:ext>
             </a:extLst>
           </p:cNvPr>
@@ -1256,7 +1256,7 @@
           <p:cNvPr id="3" name="内容占位符 2">
             <a:extLst>
               <a:ext uri="{FF2B5EF4-FFF2-40B4-BE49-F238E27FC236}">
-                <a16:creationId xmlns:a16="http://schemas.microsoft.com/office/drawing/2014/main" id="{8CEFF276-AA62-B4AD-E105-904B352DAE7E}"/>
+                <a16:creationId xmlns:a16="http://schemas.microsoft.com/office/drawing/2014/main" id="{B5B36409-2725-E49E-3ACE-828192536A7C}"/>
               </a:ext>
             </a:extLst>
           </p:cNvPr>
@@ -1318,7 +1318,7 @@
           <p:cNvPr id="4" name="内容占位符 3">
             <a:extLst>
               <a:ext uri="{FF2B5EF4-FFF2-40B4-BE49-F238E27FC236}">
-                <a16:creationId xmlns:a16="http://schemas.microsoft.com/office/drawing/2014/main" id="{DDFB5857-C7A9-D371-57BF-DDC463279B6E}"/>
+                <a16:creationId xmlns:a16="http://schemas.microsoft.com/office/drawing/2014/main" id="{5F8AC540-3388-5A8A-E323-D04DF276E73A}"/>
               </a:ext>
             </a:extLst>
           </p:cNvPr>
@@ -1380,7 +1380,7 @@
           <p:cNvPr id="5" name="日期占位符 4">
             <a:extLst>
               <a:ext uri="{FF2B5EF4-FFF2-40B4-BE49-F238E27FC236}">
-                <a16:creationId xmlns:a16="http://schemas.microsoft.com/office/drawing/2014/main" id="{CACE518C-2392-589E-CB9A-1A53619DB260}"/>
+                <a16:creationId xmlns:a16="http://schemas.microsoft.com/office/drawing/2014/main" id="{EE2E06FA-7619-7EC2-3C41-4C01FCDB5520}"/>
               </a:ext>
             </a:extLst>
           </p:cNvPr>
@@ -1396,7 +1396,7 @@
           <a:bodyPr/>
           <a:lstStyle/>
           <a:p>
-            <a:fld id="{74D7C391-654C-4911-B8E7-9DAB692053F3}" type="datetimeFigureOut">
+            <a:fld id="{E16F3075-547A-4C05-9235-FEB42BE2B5DD}" type="datetimeFigureOut">
               <a:rPr lang="zh-CN" altLang="en-US" smtClean="0"/>
               <a:t>2024/3/10</a:t>
             </a:fld>
@@ -1409,7 +1409,7 @@
           <p:cNvPr id="6" name="页脚占位符 5">
             <a:extLst>
               <a:ext uri="{FF2B5EF4-FFF2-40B4-BE49-F238E27FC236}">
-                <a16:creationId xmlns:a16="http://schemas.microsoft.com/office/drawing/2014/main" id="{69067E37-B792-8C7D-47B8-3CC91B67956E}"/>
+                <a16:creationId xmlns:a16="http://schemas.microsoft.com/office/drawing/2014/main" id="{9B5B2BEF-ED85-03B5-21CA-5B836E93D879}"/>
               </a:ext>
             </a:extLst>
           </p:cNvPr>
@@ -1434,7 +1434,7 @@
           <p:cNvPr id="7" name="灯片编号占位符 6">
             <a:extLst>
               <a:ext uri="{FF2B5EF4-FFF2-40B4-BE49-F238E27FC236}">
-                <a16:creationId xmlns:a16="http://schemas.microsoft.com/office/drawing/2014/main" id="{FD1D92B4-3DF1-B044-A69F-5DD69374EC45}"/>
+                <a16:creationId xmlns:a16="http://schemas.microsoft.com/office/drawing/2014/main" id="{8153E0C4-373A-882C-1163-3FC1D92D2EFF}"/>
               </a:ext>
             </a:extLst>
           </p:cNvPr>
@@ -1450,7 +1450,7 @@
           <a:bodyPr/>
           <a:lstStyle/>
           <a:p>
-            <a:fld id="{CE2F6EFD-A651-4CA4-956E-A4C9E7047C21}" type="slidenum">
+            <a:fld id="{84E0698B-2552-4E47-A374-D34D597E5873}" type="slidenum">
               <a:rPr lang="zh-CN" altLang="en-US" smtClean="0"/>
               <a:t>‹#›</a:t>
             </a:fld>
@@ -1461,7 +1461,7 @@
     </p:spTree>
     <p:extLst>
       <p:ext uri="{BB962C8B-B14F-4D97-AF65-F5344CB8AC3E}">
-        <p14:creationId xmlns:p14="http://schemas.microsoft.com/office/powerpoint/2010/main" val="2675461380"/>
+        <p14:creationId xmlns:p14="http://schemas.microsoft.com/office/powerpoint/2010/main" val="4095342320"/>
       </p:ext>
     </p:extLst>
   </p:cSld>
@@ -1493,7 +1493,7 @@
           <p:cNvPr id="2" name="标题 1">
             <a:extLst>
               <a:ext uri="{FF2B5EF4-FFF2-40B4-BE49-F238E27FC236}">
-                <a16:creationId xmlns:a16="http://schemas.microsoft.com/office/drawing/2014/main" id="{C65CB162-54F3-0AE6-2A03-3A40C0628F26}"/>
+                <a16:creationId xmlns:a16="http://schemas.microsoft.com/office/drawing/2014/main" id="{EBF5CF00-3E2C-498A-7051-A5EE2426C972}"/>
               </a:ext>
             </a:extLst>
           </p:cNvPr>
@@ -1526,7 +1526,7 @@
           <p:cNvPr id="3" name="文本占位符 2">
             <a:extLst>
               <a:ext uri="{FF2B5EF4-FFF2-40B4-BE49-F238E27FC236}">
-                <a16:creationId xmlns:a16="http://schemas.microsoft.com/office/drawing/2014/main" id="{B947F3E4-111A-E9EB-42E1-44BB8FF26B31}"/>
+                <a16:creationId xmlns:a16="http://schemas.microsoft.com/office/drawing/2014/main" id="{178AFCAB-DB65-366F-77D4-0ABFB7F047AD}"/>
               </a:ext>
             </a:extLst>
           </p:cNvPr>
@@ -1597,7 +1597,7 @@
           <p:cNvPr id="4" name="内容占位符 3">
             <a:extLst>
               <a:ext uri="{FF2B5EF4-FFF2-40B4-BE49-F238E27FC236}">
-                <a16:creationId xmlns:a16="http://schemas.microsoft.com/office/drawing/2014/main" id="{D6A4D4CC-6B2C-BF08-8354-BE2DC230C4DF}"/>
+                <a16:creationId xmlns:a16="http://schemas.microsoft.com/office/drawing/2014/main" id="{C953209F-30E8-36BB-A6E5-379994EAD313}"/>
               </a:ext>
             </a:extLst>
           </p:cNvPr>
@@ -1659,7 +1659,7 @@
           <p:cNvPr id="5" name="文本占位符 4">
             <a:extLst>
               <a:ext uri="{FF2B5EF4-FFF2-40B4-BE49-F238E27FC236}">
-                <a16:creationId xmlns:a16="http://schemas.microsoft.com/office/drawing/2014/main" id="{8E5091B4-B6EA-74F4-6FF8-27B93D50049F}"/>
+                <a16:creationId xmlns:a16="http://schemas.microsoft.com/office/drawing/2014/main" id="{88A3F952-DD70-A2A5-089C-255627A8EE61}"/>
               </a:ext>
             </a:extLst>
           </p:cNvPr>
@@ -1730,7 +1730,7 @@
           <p:cNvPr id="6" name="内容占位符 5">
             <a:extLst>
               <a:ext uri="{FF2B5EF4-FFF2-40B4-BE49-F238E27FC236}">
-                <a16:creationId xmlns:a16="http://schemas.microsoft.com/office/drawing/2014/main" id="{CD426901-2D5E-A4AD-82D8-233AB06E86EA}"/>
+                <a16:creationId xmlns:a16="http://schemas.microsoft.com/office/drawing/2014/main" id="{091D62EB-7F18-2FA5-1ED8-3815201C062D}"/>
               </a:ext>
             </a:extLst>
           </p:cNvPr>
@@ -1792,7 +1792,7 @@
           <p:cNvPr id="7" name="日期占位符 6">
             <a:extLst>
               <a:ext uri="{FF2B5EF4-FFF2-40B4-BE49-F238E27FC236}">
-                <a16:creationId xmlns:a16="http://schemas.microsoft.com/office/drawing/2014/main" id="{2EE6DA8F-D7E3-3223-BBDA-08F12DCE5F41}"/>
+                <a16:creationId xmlns:a16="http://schemas.microsoft.com/office/drawing/2014/main" id="{5AA5ECBE-5E0D-CD6E-C3CD-43180385ED69}"/>
               </a:ext>
             </a:extLst>
           </p:cNvPr>
@@ -1808,7 +1808,7 @@
           <a:bodyPr/>
           <a:lstStyle/>
           <a:p>
-            <a:fld id="{74D7C391-654C-4911-B8E7-9DAB692053F3}" type="datetimeFigureOut">
+            <a:fld id="{E16F3075-547A-4C05-9235-FEB42BE2B5DD}" type="datetimeFigureOut">
               <a:rPr lang="zh-CN" altLang="en-US" smtClean="0"/>
               <a:t>2024/3/10</a:t>
             </a:fld>
@@ -1821,7 +1821,7 @@
           <p:cNvPr id="8" name="页脚占位符 7">
             <a:extLst>
               <a:ext uri="{FF2B5EF4-FFF2-40B4-BE49-F238E27FC236}">
-                <a16:creationId xmlns:a16="http://schemas.microsoft.com/office/drawing/2014/main" id="{71504C0D-B05A-34D6-4F28-2AE99A939577}"/>
+                <a16:creationId xmlns:a16="http://schemas.microsoft.com/office/drawing/2014/main" id="{6E7743FF-7C31-8730-532D-C30804E96AB4}"/>
               </a:ext>
             </a:extLst>
           </p:cNvPr>
@@ -1846,7 +1846,7 @@
           <p:cNvPr id="9" name="灯片编号占位符 8">
             <a:extLst>
               <a:ext uri="{FF2B5EF4-FFF2-40B4-BE49-F238E27FC236}">
-                <a16:creationId xmlns:a16="http://schemas.microsoft.com/office/drawing/2014/main" id="{A86DC0E0-736F-9CB6-47EF-D85319706FEB}"/>
+                <a16:creationId xmlns:a16="http://schemas.microsoft.com/office/drawing/2014/main" id="{274D5351-B86F-FF90-8405-60C670C90811}"/>
               </a:ext>
             </a:extLst>
           </p:cNvPr>
@@ -1862,7 +1862,7 @@
           <a:bodyPr/>
           <a:lstStyle/>
           <a:p>
-            <a:fld id="{CE2F6EFD-A651-4CA4-956E-A4C9E7047C21}" type="slidenum">
+            <a:fld id="{84E0698B-2552-4E47-A374-D34D597E5873}" type="slidenum">
               <a:rPr lang="zh-CN" altLang="en-US" smtClean="0"/>
               <a:t>‹#›</a:t>
             </a:fld>
@@ -1873,7 +1873,7 @@
     </p:spTree>
     <p:extLst>
       <p:ext uri="{BB962C8B-B14F-4D97-AF65-F5344CB8AC3E}">
-        <p14:creationId xmlns:p14="http://schemas.microsoft.com/office/powerpoint/2010/main" val="2521258544"/>
+        <p14:creationId xmlns:p14="http://schemas.microsoft.com/office/powerpoint/2010/main" val="3263830818"/>
       </p:ext>
     </p:extLst>
   </p:cSld>
@@ -1905,7 +1905,7 @@
           <p:cNvPr id="2" name="标题 1">
             <a:extLst>
               <a:ext uri="{FF2B5EF4-FFF2-40B4-BE49-F238E27FC236}">
-                <a16:creationId xmlns:a16="http://schemas.microsoft.com/office/drawing/2014/main" id="{D2C63062-0A51-4A19-0296-3ED46344AC1C}"/>
+                <a16:creationId xmlns:a16="http://schemas.microsoft.com/office/drawing/2014/main" id="{9000B3DE-7762-9E36-73F4-238241B661E8}"/>
               </a:ext>
             </a:extLst>
           </p:cNvPr>
@@ -1933,7 +1933,7 @@
           <p:cNvPr id="3" name="日期占位符 2">
             <a:extLst>
               <a:ext uri="{FF2B5EF4-FFF2-40B4-BE49-F238E27FC236}">
-                <a16:creationId xmlns:a16="http://schemas.microsoft.com/office/drawing/2014/main" id="{1B0A6B09-36FC-7CC5-E78B-697A82DBD5DA}"/>
+                <a16:creationId xmlns:a16="http://schemas.microsoft.com/office/drawing/2014/main" id="{5A3C3A8A-82A9-BB22-75A6-594990BF01A7}"/>
               </a:ext>
             </a:extLst>
           </p:cNvPr>
@@ -1949,7 +1949,7 @@
           <a:bodyPr/>
           <a:lstStyle/>
           <a:p>
-            <a:fld id="{74D7C391-654C-4911-B8E7-9DAB692053F3}" type="datetimeFigureOut">
+            <a:fld id="{E16F3075-547A-4C05-9235-FEB42BE2B5DD}" type="datetimeFigureOut">
               <a:rPr lang="zh-CN" altLang="en-US" smtClean="0"/>
               <a:t>2024/3/10</a:t>
             </a:fld>
@@ -1962,7 +1962,7 @@
           <p:cNvPr id="4" name="页脚占位符 3">
             <a:extLst>
               <a:ext uri="{FF2B5EF4-FFF2-40B4-BE49-F238E27FC236}">
-                <a16:creationId xmlns:a16="http://schemas.microsoft.com/office/drawing/2014/main" id="{FBDC372A-C5CF-81BD-D4FF-1310FBB3EBA2}"/>
+                <a16:creationId xmlns:a16="http://schemas.microsoft.com/office/drawing/2014/main" id="{9C6F798B-0141-2A32-0F2D-8CA02A44353F}"/>
               </a:ext>
             </a:extLst>
           </p:cNvPr>
@@ -1987,7 +1987,7 @@
           <p:cNvPr id="5" name="灯片编号占位符 4">
             <a:extLst>
               <a:ext uri="{FF2B5EF4-FFF2-40B4-BE49-F238E27FC236}">
-                <a16:creationId xmlns:a16="http://schemas.microsoft.com/office/drawing/2014/main" id="{056B7EF2-230F-4CFF-AE1C-478B9EE537F9}"/>
+                <a16:creationId xmlns:a16="http://schemas.microsoft.com/office/drawing/2014/main" id="{2F4A61AF-E729-60B1-1C91-326D34CFF8E7}"/>
               </a:ext>
             </a:extLst>
           </p:cNvPr>
@@ -2003,7 +2003,7 @@
           <a:bodyPr/>
           <a:lstStyle/>
           <a:p>
-            <a:fld id="{CE2F6EFD-A651-4CA4-956E-A4C9E7047C21}" type="slidenum">
+            <a:fld id="{84E0698B-2552-4E47-A374-D34D597E5873}" type="slidenum">
               <a:rPr lang="zh-CN" altLang="en-US" smtClean="0"/>
               <a:t>‹#›</a:t>
             </a:fld>
@@ -2014,7 +2014,7 @@
     </p:spTree>
     <p:extLst>
       <p:ext uri="{BB962C8B-B14F-4D97-AF65-F5344CB8AC3E}">
-        <p14:creationId xmlns:p14="http://schemas.microsoft.com/office/powerpoint/2010/main" val="4055085264"/>
+        <p14:creationId xmlns:p14="http://schemas.microsoft.com/office/powerpoint/2010/main" val="2266995635"/>
       </p:ext>
     </p:extLst>
   </p:cSld>
@@ -2046,7 +2046,7 @@
           <p:cNvPr id="2" name="日期占位符 1">
             <a:extLst>
               <a:ext uri="{FF2B5EF4-FFF2-40B4-BE49-F238E27FC236}">
-                <a16:creationId xmlns:a16="http://schemas.microsoft.com/office/drawing/2014/main" id="{58436B15-3CDB-6C9A-E4A8-8E237E76CD72}"/>
+                <a16:creationId xmlns:a16="http://schemas.microsoft.com/office/drawing/2014/main" id="{78A30C79-13C4-9BFF-E552-0523BE8A3FA1}"/>
               </a:ext>
             </a:extLst>
           </p:cNvPr>
@@ -2062,7 +2062,7 @@
           <a:bodyPr/>
           <a:lstStyle/>
           <a:p>
-            <a:fld id="{74D7C391-654C-4911-B8E7-9DAB692053F3}" type="datetimeFigureOut">
+            <a:fld id="{E16F3075-547A-4C05-9235-FEB42BE2B5DD}" type="datetimeFigureOut">
               <a:rPr lang="zh-CN" altLang="en-US" smtClean="0"/>
               <a:t>2024/3/10</a:t>
             </a:fld>
@@ -2075,7 +2075,7 @@
           <p:cNvPr id="3" name="页脚占位符 2">
             <a:extLst>
               <a:ext uri="{FF2B5EF4-FFF2-40B4-BE49-F238E27FC236}">
-                <a16:creationId xmlns:a16="http://schemas.microsoft.com/office/drawing/2014/main" id="{AC195A12-9A24-B8F4-9FFF-478373611D15}"/>
+                <a16:creationId xmlns:a16="http://schemas.microsoft.com/office/drawing/2014/main" id="{C2AFAB63-51AB-0FAF-8A0F-53A016B2D1C2}"/>
               </a:ext>
             </a:extLst>
           </p:cNvPr>
@@ -2100,7 +2100,7 @@
           <p:cNvPr id="4" name="灯片编号占位符 3">
             <a:extLst>
               <a:ext uri="{FF2B5EF4-FFF2-40B4-BE49-F238E27FC236}">
-                <a16:creationId xmlns:a16="http://schemas.microsoft.com/office/drawing/2014/main" id="{AE31E408-AA25-B75A-9E6C-62214D04A7B3}"/>
+                <a16:creationId xmlns:a16="http://schemas.microsoft.com/office/drawing/2014/main" id="{C100625B-3207-8C3F-12AE-C3041A3A2711}"/>
               </a:ext>
             </a:extLst>
           </p:cNvPr>
@@ -2116,7 +2116,7 @@
           <a:bodyPr/>
           <a:lstStyle/>
           <a:p>
-            <a:fld id="{CE2F6EFD-A651-4CA4-956E-A4C9E7047C21}" type="slidenum">
+            <a:fld id="{84E0698B-2552-4E47-A374-D34D597E5873}" type="slidenum">
               <a:rPr lang="zh-CN" altLang="en-US" smtClean="0"/>
               <a:t>‹#›</a:t>
             </a:fld>
@@ -2127,7 +2127,7 @@
     </p:spTree>
     <p:extLst>
       <p:ext uri="{BB962C8B-B14F-4D97-AF65-F5344CB8AC3E}">
-        <p14:creationId xmlns:p14="http://schemas.microsoft.com/office/powerpoint/2010/main" val="910349546"/>
+        <p14:creationId xmlns:p14="http://schemas.microsoft.com/office/powerpoint/2010/main" val="2834142654"/>
       </p:ext>
     </p:extLst>
   </p:cSld>
@@ -2159,7 +2159,7 @@
           <p:cNvPr id="2" name="标题 1">
             <a:extLst>
               <a:ext uri="{FF2B5EF4-FFF2-40B4-BE49-F238E27FC236}">
-                <a16:creationId xmlns:a16="http://schemas.microsoft.com/office/drawing/2014/main" id="{09C984D2-1CB7-AEA8-45FB-6DDBBAC4034E}"/>
+                <a16:creationId xmlns:a16="http://schemas.microsoft.com/office/drawing/2014/main" id="{AB4170CD-BB7E-ED48-E8E4-1C43D0539320}"/>
               </a:ext>
             </a:extLst>
           </p:cNvPr>
@@ -2196,7 +2196,7 @@
           <p:cNvPr id="3" name="内容占位符 2">
             <a:extLst>
               <a:ext uri="{FF2B5EF4-FFF2-40B4-BE49-F238E27FC236}">
-                <a16:creationId xmlns:a16="http://schemas.microsoft.com/office/drawing/2014/main" id="{10CBAB2E-C829-3198-501B-114BA2A499B4}"/>
+                <a16:creationId xmlns:a16="http://schemas.microsoft.com/office/drawing/2014/main" id="{2ED42361-905F-77C3-A936-A81F5BB1DD05}"/>
               </a:ext>
             </a:extLst>
           </p:cNvPr>
@@ -2286,7 +2286,7 @@
           <p:cNvPr id="4" name="文本占位符 3">
             <a:extLst>
               <a:ext uri="{FF2B5EF4-FFF2-40B4-BE49-F238E27FC236}">
-                <a16:creationId xmlns:a16="http://schemas.microsoft.com/office/drawing/2014/main" id="{FF9003E7-A968-6F9E-16E0-E22E1FD24AE7}"/>
+                <a16:creationId xmlns:a16="http://schemas.microsoft.com/office/drawing/2014/main" id="{A8582D67-6DF3-650D-C838-AB0D4BB807F3}"/>
               </a:ext>
             </a:extLst>
           </p:cNvPr>
@@ -2357,7 +2357,7 @@
           <p:cNvPr id="5" name="日期占位符 4">
             <a:extLst>
               <a:ext uri="{FF2B5EF4-FFF2-40B4-BE49-F238E27FC236}">
-                <a16:creationId xmlns:a16="http://schemas.microsoft.com/office/drawing/2014/main" id="{5514475A-2D3F-D228-9EB7-17756C13B212}"/>
+                <a16:creationId xmlns:a16="http://schemas.microsoft.com/office/drawing/2014/main" id="{E2A9BCBF-3E92-F1DD-500B-2298436AD1F1}"/>
               </a:ext>
             </a:extLst>
           </p:cNvPr>
@@ -2373,7 +2373,7 @@
           <a:bodyPr/>
           <a:lstStyle/>
           <a:p>
-            <a:fld id="{74D7C391-654C-4911-B8E7-9DAB692053F3}" type="datetimeFigureOut">
+            <a:fld id="{E16F3075-547A-4C05-9235-FEB42BE2B5DD}" type="datetimeFigureOut">
               <a:rPr lang="zh-CN" altLang="en-US" smtClean="0"/>
               <a:t>2024/3/10</a:t>
             </a:fld>
@@ -2386,7 +2386,7 @@
           <p:cNvPr id="6" name="页脚占位符 5">
             <a:extLst>
               <a:ext uri="{FF2B5EF4-FFF2-40B4-BE49-F238E27FC236}">
-                <a16:creationId xmlns:a16="http://schemas.microsoft.com/office/drawing/2014/main" id="{0FAE3D83-836E-B942-13A9-A03272F0F43F}"/>
+                <a16:creationId xmlns:a16="http://schemas.microsoft.com/office/drawing/2014/main" id="{19C3228D-E3C5-150C-8293-B346451BF37C}"/>
               </a:ext>
             </a:extLst>
           </p:cNvPr>
@@ -2411,7 +2411,7 @@
           <p:cNvPr id="7" name="灯片编号占位符 6">
             <a:extLst>
               <a:ext uri="{FF2B5EF4-FFF2-40B4-BE49-F238E27FC236}">
-                <a16:creationId xmlns:a16="http://schemas.microsoft.com/office/drawing/2014/main" id="{644FAADB-FC02-175C-195B-C1F34E27EB31}"/>
+                <a16:creationId xmlns:a16="http://schemas.microsoft.com/office/drawing/2014/main" id="{0314DFD3-652A-213D-ABDC-FFA9D9157E75}"/>
               </a:ext>
             </a:extLst>
           </p:cNvPr>
@@ -2427,7 +2427,7 @@
           <a:bodyPr/>
           <a:lstStyle/>
           <a:p>
-            <a:fld id="{CE2F6EFD-A651-4CA4-956E-A4C9E7047C21}" type="slidenum">
+            <a:fld id="{84E0698B-2552-4E47-A374-D34D597E5873}" type="slidenum">
               <a:rPr lang="zh-CN" altLang="en-US" smtClean="0"/>
               <a:t>‹#›</a:t>
             </a:fld>
@@ -2438,7 +2438,7 @@
     </p:spTree>
     <p:extLst>
       <p:ext uri="{BB962C8B-B14F-4D97-AF65-F5344CB8AC3E}">
-        <p14:creationId xmlns:p14="http://schemas.microsoft.com/office/powerpoint/2010/main" val="1484133125"/>
+        <p14:creationId xmlns:p14="http://schemas.microsoft.com/office/powerpoint/2010/main" val="2544393874"/>
       </p:ext>
     </p:extLst>
   </p:cSld>
@@ -2470,7 +2470,7 @@
           <p:cNvPr id="2" name="标题 1">
             <a:extLst>
               <a:ext uri="{FF2B5EF4-FFF2-40B4-BE49-F238E27FC236}">
-                <a16:creationId xmlns:a16="http://schemas.microsoft.com/office/drawing/2014/main" id="{84C697E4-9169-4A43-EF98-713C659F00D6}"/>
+                <a16:creationId xmlns:a16="http://schemas.microsoft.com/office/drawing/2014/main" id="{3318258C-9EAC-FBD5-FDCA-1D76442F183C}"/>
               </a:ext>
             </a:extLst>
           </p:cNvPr>
@@ -2507,7 +2507,7 @@
           <p:cNvPr id="3" name="图片占位符 2">
             <a:extLst>
               <a:ext uri="{FF2B5EF4-FFF2-40B4-BE49-F238E27FC236}">
-                <a16:creationId xmlns:a16="http://schemas.microsoft.com/office/drawing/2014/main" id="{D668973A-3088-4AC1-F205-E48A3DEDDF72}"/>
+                <a16:creationId xmlns:a16="http://schemas.microsoft.com/office/drawing/2014/main" id="{8E526F8F-3E90-5312-9093-69F4503B31AD}"/>
               </a:ext>
             </a:extLst>
           </p:cNvPr>
@@ -2574,7 +2574,7 @@
           <p:cNvPr id="4" name="文本占位符 3">
             <a:extLst>
               <a:ext uri="{FF2B5EF4-FFF2-40B4-BE49-F238E27FC236}">
-                <a16:creationId xmlns:a16="http://schemas.microsoft.com/office/drawing/2014/main" id="{AC05AF74-4088-76D7-33B9-B0CEE1AA6DD1}"/>
+                <a16:creationId xmlns:a16="http://schemas.microsoft.com/office/drawing/2014/main" id="{21F11B49-CFB6-0A51-7219-13D14D9D3F1D}"/>
               </a:ext>
             </a:extLst>
           </p:cNvPr>
@@ -2645,7 +2645,7 @@
           <p:cNvPr id="5" name="日期占位符 4">
             <a:extLst>
               <a:ext uri="{FF2B5EF4-FFF2-40B4-BE49-F238E27FC236}">
-                <a16:creationId xmlns:a16="http://schemas.microsoft.com/office/drawing/2014/main" id="{553CBA3A-3C2D-8CFC-BACE-83FEFD0E49D5}"/>
+                <a16:creationId xmlns:a16="http://schemas.microsoft.com/office/drawing/2014/main" id="{723596A6-F7F0-B1D7-0ED1-41664E5DBE6E}"/>
               </a:ext>
             </a:extLst>
           </p:cNvPr>
@@ -2661,7 +2661,7 @@
           <a:bodyPr/>
           <a:lstStyle/>
           <a:p>
-            <a:fld id="{74D7C391-654C-4911-B8E7-9DAB692053F3}" type="datetimeFigureOut">
+            <a:fld id="{E16F3075-547A-4C05-9235-FEB42BE2B5DD}" type="datetimeFigureOut">
               <a:rPr lang="zh-CN" altLang="en-US" smtClean="0"/>
               <a:t>2024/3/10</a:t>
             </a:fld>
@@ -2674,7 +2674,7 @@
           <p:cNvPr id="6" name="页脚占位符 5">
             <a:extLst>
               <a:ext uri="{FF2B5EF4-FFF2-40B4-BE49-F238E27FC236}">
-                <a16:creationId xmlns:a16="http://schemas.microsoft.com/office/drawing/2014/main" id="{C9EE9D24-2990-0720-0E20-18AAA926DD33}"/>
+                <a16:creationId xmlns:a16="http://schemas.microsoft.com/office/drawing/2014/main" id="{EF99AD14-4ADA-E640-A320-BAA1997F55B0}"/>
               </a:ext>
             </a:extLst>
           </p:cNvPr>
@@ -2699,7 +2699,7 @@
           <p:cNvPr id="7" name="灯片编号占位符 6">
             <a:extLst>
               <a:ext uri="{FF2B5EF4-FFF2-40B4-BE49-F238E27FC236}">
-                <a16:creationId xmlns:a16="http://schemas.microsoft.com/office/drawing/2014/main" id="{02C66FE1-9815-3F54-C785-11E0BE91BD23}"/>
+                <a16:creationId xmlns:a16="http://schemas.microsoft.com/office/drawing/2014/main" id="{E59B6489-5FD8-3128-154A-8F799416F2FC}"/>
               </a:ext>
             </a:extLst>
           </p:cNvPr>
@@ -2715,7 +2715,7 @@
           <a:bodyPr/>
           <a:lstStyle/>
           <a:p>
-            <a:fld id="{CE2F6EFD-A651-4CA4-956E-A4C9E7047C21}" type="slidenum">
+            <a:fld id="{84E0698B-2552-4E47-A374-D34D597E5873}" type="slidenum">
               <a:rPr lang="zh-CN" altLang="en-US" smtClean="0"/>
               <a:t>‹#›</a:t>
             </a:fld>
@@ -2726,7 +2726,7 @@
     </p:spTree>
     <p:extLst>
       <p:ext uri="{BB962C8B-B14F-4D97-AF65-F5344CB8AC3E}">
-        <p14:creationId xmlns:p14="http://schemas.microsoft.com/office/powerpoint/2010/main" val="67635933"/>
+        <p14:creationId xmlns:p14="http://schemas.microsoft.com/office/powerpoint/2010/main" val="4219346943"/>
       </p:ext>
     </p:extLst>
   </p:cSld>
@@ -2763,7 +2763,7 @@
           <p:cNvPr id="2" name="标题占位符 1">
             <a:extLst>
               <a:ext uri="{FF2B5EF4-FFF2-40B4-BE49-F238E27FC236}">
-                <a16:creationId xmlns:a16="http://schemas.microsoft.com/office/drawing/2014/main" id="{D4C8558E-8FD8-AAA6-AA1C-6DD067CCC35E}"/>
+                <a16:creationId xmlns:a16="http://schemas.microsoft.com/office/drawing/2014/main" id="{12E0B993-9169-B1ED-99F7-6C923DB59A8D}"/>
               </a:ext>
             </a:extLst>
           </p:cNvPr>
@@ -2801,7 +2801,7 @@
           <p:cNvPr id="3" name="文本占位符 2">
             <a:extLst>
               <a:ext uri="{FF2B5EF4-FFF2-40B4-BE49-F238E27FC236}">
-                <a16:creationId xmlns:a16="http://schemas.microsoft.com/office/drawing/2014/main" id="{D3798F06-D9D4-D21A-743B-9A2564ED35BB}"/>
+                <a16:creationId xmlns:a16="http://schemas.microsoft.com/office/drawing/2014/main" id="{F2EF10A5-87C2-69D0-50BA-23845B2F4888}"/>
               </a:ext>
             </a:extLst>
           </p:cNvPr>
@@ -2868,7 +2868,7 @@
           <p:cNvPr id="4" name="日期占位符 3">
             <a:extLst>
               <a:ext uri="{FF2B5EF4-FFF2-40B4-BE49-F238E27FC236}">
-                <a16:creationId xmlns:a16="http://schemas.microsoft.com/office/drawing/2014/main" id="{0FFD93B5-03C2-F15D-631E-549BFB9C329B}"/>
+                <a16:creationId xmlns:a16="http://schemas.microsoft.com/office/drawing/2014/main" id="{43E44201-B0A4-3427-18B2-084D61513533}"/>
               </a:ext>
             </a:extLst>
           </p:cNvPr>
@@ -2902,7 +2902,7 @@
             </a:lvl1pPr>
           </a:lstStyle>
           <a:p>
-            <a:fld id="{74D7C391-654C-4911-B8E7-9DAB692053F3}" type="datetimeFigureOut">
+            <a:fld id="{E16F3075-547A-4C05-9235-FEB42BE2B5DD}" type="datetimeFigureOut">
               <a:rPr lang="zh-CN" altLang="en-US" smtClean="0"/>
               <a:t>2024/3/10</a:t>
             </a:fld>
@@ -2915,7 +2915,7 @@
           <p:cNvPr id="5" name="页脚占位符 4">
             <a:extLst>
               <a:ext uri="{FF2B5EF4-FFF2-40B4-BE49-F238E27FC236}">
-                <a16:creationId xmlns:a16="http://schemas.microsoft.com/office/drawing/2014/main" id="{0B482271-9B23-C3B7-CDB7-12F4DE2841AD}"/>
+                <a16:creationId xmlns:a16="http://schemas.microsoft.com/office/drawing/2014/main" id="{DA4B8283-70A4-F7CA-9054-262B9A70E5B6}"/>
               </a:ext>
             </a:extLst>
           </p:cNvPr>
@@ -2958,7 +2958,7 @@
           <p:cNvPr id="6" name="灯片编号占位符 5">
             <a:extLst>
               <a:ext uri="{FF2B5EF4-FFF2-40B4-BE49-F238E27FC236}">
-                <a16:creationId xmlns:a16="http://schemas.microsoft.com/office/drawing/2014/main" id="{EB1DDF77-1FEE-D0E6-30BD-A41C80C5FB4C}"/>
+                <a16:creationId xmlns:a16="http://schemas.microsoft.com/office/drawing/2014/main" id="{4C75C800-9F7B-42C3-C171-5F790FA80112}"/>
               </a:ext>
             </a:extLst>
           </p:cNvPr>
@@ -2992,7 +2992,7 @@
             </a:lvl1pPr>
           </a:lstStyle>
           <a:p>
-            <a:fld id="{CE2F6EFD-A651-4CA4-956E-A4C9E7047C21}" type="slidenum">
+            <a:fld id="{84E0698B-2552-4E47-A374-D34D597E5873}" type="slidenum">
               <a:rPr lang="zh-CN" altLang="en-US" smtClean="0"/>
               <a:t>‹#›</a:t>
             </a:fld>
@@ -3003,7 +3003,7 @@
     </p:spTree>
     <p:extLst>
       <p:ext uri="{BB962C8B-B14F-4D97-AF65-F5344CB8AC3E}">
-        <p14:creationId xmlns:p14="http://schemas.microsoft.com/office/powerpoint/2010/main" val="400668859"/>
+        <p14:creationId xmlns:p14="http://schemas.microsoft.com/office/powerpoint/2010/main" val="3859933013"/>
       </p:ext>
     </p:extLst>
   </p:cSld>
@@ -3323,7 +3323,7 @@
       </p:grpSpPr>
       <p:pic>
         <p:nvPicPr>
-          <p:cNvPr id="585730" name="Picture 2" descr="571"/>
+          <p:cNvPr id="586754" name="Picture 2" descr="572"/>
           <p:cNvPicPr>
             <a:picLocks noChangeAspect="1" noChangeArrowheads="1"/>
           </p:cNvPicPr>
